--- a/Video Presentation V2.pptx
+++ b/Video Presentation V2.pptx
@@ -4208,11 +4208,59 @@
           <a:p>
             <a:r>
               <a:rPr lang="en-GB" dirty="0"/>
-              <a:t>Describe from video of first level.</a:t>
-            </a:r>
-          </a:p>
-        </p:txBody>
-      </p:sp>
+              <a:t>Describe from video of first level</a:t>
+            </a:r>
+          </a:p>
+          <a:p>
+            <a:endParaRPr lang="en-GB" dirty="0"/>
+          </a:p>
+          <a:p>
+            <a:endParaRPr lang="en-GB" dirty="0"/>
+          </a:p>
+          <a:p>
+            <a:endParaRPr lang="en-GB" dirty="0"/>
+          </a:p>
+          <a:p>
+            <a:endParaRPr lang="en-GB" dirty="0"/>
+          </a:p>
+        </p:txBody>
+      </p:sp>
+      <p:pic>
+        <p:nvPicPr>
+          <p:cNvPr id="5" name="Picture 4">
+            <a:extLst>
+              <a:ext uri="{FF2B5EF4-FFF2-40B4-BE49-F238E27FC236}">
+                <a16:creationId xmlns:a16="http://schemas.microsoft.com/office/drawing/2014/main" id="{97414F90-F186-48CF-A6CC-BBA5BAF08EE6}"/>
+              </a:ext>
+            </a:extLst>
+          </p:cNvPr>
+          <p:cNvPicPr>
+            <a:picLocks noChangeAspect="1"/>
+          </p:cNvPicPr>
+          <p:nvPr/>
+        </p:nvPicPr>
+        <p:blipFill>
+          <a:blip r:embed="rId2">
+            <a:extLst>
+              <a:ext uri="{28A0092B-C50C-407E-A947-70E740481C1C}">
+                <a14:useLocalDpi xmlns:a14="http://schemas.microsoft.com/office/drawing/2010/main" val="0"/>
+              </a:ext>
+            </a:extLst>
+          </a:blip>
+          <a:stretch>
+            <a:fillRect/>
+          </a:stretch>
+        </p:blipFill>
+        <p:spPr>
+          <a:xfrm>
+            <a:off x="2524125" y="866775"/>
+            <a:ext cx="7143750" cy="5124450"/>
+          </a:xfrm>
+          <a:prstGeom prst="rect">
+            <a:avLst/>
+          </a:prstGeom>
+        </p:spPr>
+      </p:pic>
     </p:spTree>
     <p:extLst>
       <p:ext uri="{BB962C8B-B14F-4D97-AF65-F5344CB8AC3E}">

--- a/Video Presentation V2.pptx
+++ b/Video Presentation V2.pptx
@@ -3939,8 +3939,21 @@
           <a:p>
             <a:r>
               <a:rPr lang="en-GB" dirty="0"/>
-              <a:t>How we felt about the game</a:t>
-            </a:r>
+              <a:t>How we felt about the game – Pretty good, works for </a:t>
+            </a:r>
+            <a:r>
+              <a:rPr lang="en-GB" dirty="0" err="1"/>
+              <a:t>tdemo</a:t>
+            </a:r>
+            <a:r>
+              <a:rPr lang="en-GB" dirty="0"/>
+              <a:t> if given more time and people could be better – if done again work from </a:t>
+            </a:r>
+            <a:r>
+              <a:rPr lang="en-GB"/>
+              <a:t>an earlier date</a:t>
+            </a:r>
+            <a:endParaRPr lang="en-GB" dirty="0"/>
           </a:p>
         </p:txBody>
       </p:sp>
@@ -4225,42 +4238,6 @@
           </a:p>
         </p:txBody>
       </p:sp>
-      <p:pic>
-        <p:nvPicPr>
-          <p:cNvPr id="5" name="Picture 4">
-            <a:extLst>
-              <a:ext uri="{FF2B5EF4-FFF2-40B4-BE49-F238E27FC236}">
-                <a16:creationId xmlns:a16="http://schemas.microsoft.com/office/drawing/2014/main" id="{97414F90-F186-48CF-A6CC-BBA5BAF08EE6}"/>
-              </a:ext>
-            </a:extLst>
-          </p:cNvPr>
-          <p:cNvPicPr>
-            <a:picLocks noChangeAspect="1"/>
-          </p:cNvPicPr>
-          <p:nvPr/>
-        </p:nvPicPr>
-        <p:blipFill>
-          <a:blip r:embed="rId2">
-            <a:extLst>
-              <a:ext uri="{28A0092B-C50C-407E-A947-70E740481C1C}">
-                <a14:useLocalDpi xmlns:a14="http://schemas.microsoft.com/office/drawing/2010/main" val="0"/>
-              </a:ext>
-            </a:extLst>
-          </a:blip>
-          <a:stretch>
-            <a:fillRect/>
-          </a:stretch>
-        </p:blipFill>
-        <p:spPr>
-          <a:xfrm>
-            <a:off x="2524125" y="866775"/>
-            <a:ext cx="7143750" cy="5124450"/>
-          </a:xfrm>
-          <a:prstGeom prst="rect">
-            <a:avLst/>
-          </a:prstGeom>
-        </p:spPr>
-      </p:pic>
     </p:spTree>
     <p:extLst>
       <p:ext uri="{BB962C8B-B14F-4D97-AF65-F5344CB8AC3E}">

--- a/Video Presentation V2.pptx
+++ b/Video Presentation V2.pptx
@@ -10,14 +10,13 @@
     <p:sldId id="258" r:id="rId4"/>
     <p:sldId id="262" r:id="rId5"/>
     <p:sldId id="263" r:id="rId6"/>
-    <p:sldId id="260" r:id="rId7"/>
-    <p:sldId id="259" r:id="rId8"/>
+    <p:sldId id="259" r:id="rId7"/>
+    <p:sldId id="260" r:id="rId8"/>
     <p:sldId id="261" r:id="rId9"/>
-    <p:sldId id="269" r:id="rId10"/>
-    <p:sldId id="264" r:id="rId11"/>
-    <p:sldId id="266" r:id="rId12"/>
-    <p:sldId id="267" r:id="rId13"/>
-    <p:sldId id="268" r:id="rId14"/>
+    <p:sldId id="264" r:id="rId10"/>
+    <p:sldId id="266" r:id="rId11"/>
+    <p:sldId id="267" r:id="rId12"/>
+    <p:sldId id="268" r:id="rId13"/>
   </p:sldIdLst>
   <p:sldSz cx="12192000" cy="6858000"/>
   <p:notesSz cx="6858000" cy="9144000"/>
@@ -122,172 +121,6 @@
     </p:ext>
   </p:extLst>
 </p:presentation>
-</file>
-
-<file path=ppt/changesInfos/changesInfo1.xml><?xml version="1.0" encoding="utf-8"?>
-<pc:chgInfo xmlns:a="http://schemas.openxmlformats.org/drawingml/2006/main" xmlns:r="http://schemas.openxmlformats.org/officeDocument/2006/relationships" xmlns:ac="http://schemas.microsoft.com/office/drawing/2013/main/command" xmlns:pc="http://schemas.microsoft.com/office/powerpoint/2013/main/command">
-  <pc:docChgLst>
-    <pc:chgData name="Stanley Blakemore" userId="738def75040d6fd8" providerId="LiveId" clId="{BE320AB9-D4A5-48A0-8848-43769FBE5228}"/>
-    <pc:docChg chg="custSel addSld modSld sldOrd">
-      <pc:chgData name="Stanley Blakemore" userId="738def75040d6fd8" providerId="LiveId" clId="{BE320AB9-D4A5-48A0-8848-43769FBE5228}" dt="2018-04-20T15:43:43.763" v="1678" actId="1076"/>
-      <pc:docMkLst>
-        <pc:docMk/>
-      </pc:docMkLst>
-      <pc:sldChg chg="modSp">
-        <pc:chgData name="Stanley Blakemore" userId="738def75040d6fd8" providerId="LiveId" clId="{BE320AB9-D4A5-48A0-8848-43769FBE5228}" dt="2018-04-20T15:17:47.928" v="891" actId="20577"/>
-        <pc:sldMkLst>
-          <pc:docMk/>
-          <pc:sldMk cId="3859587177" sldId="257"/>
-        </pc:sldMkLst>
-        <pc:spChg chg="mod">
-          <ac:chgData name="Stanley Blakemore" userId="738def75040d6fd8" providerId="LiveId" clId="{BE320AB9-D4A5-48A0-8848-43769FBE5228}" dt="2018-04-20T15:17:47.928" v="891" actId="20577"/>
-          <ac:spMkLst>
-            <pc:docMk/>
-            <pc:sldMk cId="3859587177" sldId="257"/>
-            <ac:spMk id="3" creationId="{8249D3B8-DE45-44D3-A780-91C99A47A21F}"/>
-          </ac:spMkLst>
-        </pc:spChg>
-      </pc:sldChg>
-      <pc:sldChg chg="modSp">
-        <pc:chgData name="Stanley Blakemore" userId="738def75040d6fd8" providerId="LiveId" clId="{BE320AB9-D4A5-48A0-8848-43769FBE5228}" dt="2018-04-20T15:33:58.237" v="1310" actId="313"/>
-        <pc:sldMkLst>
-          <pc:docMk/>
-          <pc:sldMk cId="2434500954" sldId="258"/>
-        </pc:sldMkLst>
-        <pc:spChg chg="mod">
-          <ac:chgData name="Stanley Blakemore" userId="738def75040d6fd8" providerId="LiveId" clId="{BE320AB9-D4A5-48A0-8848-43769FBE5228}" dt="2018-04-20T15:33:58.237" v="1310" actId="313"/>
-          <ac:spMkLst>
-            <pc:docMk/>
-            <pc:sldMk cId="2434500954" sldId="258"/>
-            <ac:spMk id="3" creationId="{404AB754-D892-4095-8BF4-62DC8FCBC123}"/>
-          </ac:spMkLst>
-        </pc:spChg>
-      </pc:sldChg>
-      <pc:sldChg chg="modSp">
-        <pc:chgData name="Stanley Blakemore" userId="738def75040d6fd8" providerId="LiveId" clId="{BE320AB9-D4A5-48A0-8848-43769FBE5228}" dt="2018-04-20T15:37:36.601" v="1598" actId="20577"/>
-        <pc:sldMkLst>
-          <pc:docMk/>
-          <pc:sldMk cId="2242719335" sldId="259"/>
-        </pc:sldMkLst>
-        <pc:spChg chg="mod">
-          <ac:chgData name="Stanley Blakemore" userId="738def75040d6fd8" providerId="LiveId" clId="{BE320AB9-D4A5-48A0-8848-43769FBE5228}" dt="2018-04-20T15:37:36.601" v="1598" actId="20577"/>
-          <ac:spMkLst>
-            <pc:docMk/>
-            <pc:sldMk cId="2242719335" sldId="259"/>
-            <ac:spMk id="3" creationId="{CBAE2947-E6E3-4B23-B014-0C88417549F4}"/>
-          </ac:spMkLst>
-        </pc:spChg>
-      </pc:sldChg>
-      <pc:sldChg chg="modSp ord">
-        <pc:chgData name="Stanley Blakemore" userId="738def75040d6fd8" providerId="LiveId" clId="{BE320AB9-D4A5-48A0-8848-43769FBE5228}" dt="2018-04-20T15:38:04.953" v="1663" actId="20577"/>
-        <pc:sldMkLst>
-          <pc:docMk/>
-          <pc:sldMk cId="1593981234" sldId="260"/>
-        </pc:sldMkLst>
-        <pc:spChg chg="mod">
-          <ac:chgData name="Stanley Blakemore" userId="738def75040d6fd8" providerId="LiveId" clId="{BE320AB9-D4A5-48A0-8848-43769FBE5228}" dt="2018-04-20T15:38:04.953" v="1663" actId="20577"/>
-          <ac:spMkLst>
-            <pc:docMk/>
-            <pc:sldMk cId="1593981234" sldId="260"/>
-            <ac:spMk id="3" creationId="{26A593D1-99E4-4B61-8923-F18AC699C935}"/>
-          </ac:spMkLst>
-        </pc:spChg>
-      </pc:sldChg>
-      <pc:sldChg chg="addSp delSp modSp">
-        <pc:chgData name="Stanley Blakemore" userId="738def75040d6fd8" providerId="LiveId" clId="{BE320AB9-D4A5-48A0-8848-43769FBE5228}" dt="2018-04-20T15:42:54.894" v="1669" actId="14100"/>
-        <pc:sldMkLst>
-          <pc:docMk/>
-          <pc:sldMk cId="1783449026" sldId="261"/>
-        </pc:sldMkLst>
-        <pc:spChg chg="del">
-          <ac:chgData name="Stanley Blakemore" userId="738def75040d6fd8" providerId="LiveId" clId="{BE320AB9-D4A5-48A0-8848-43769FBE5228}" dt="2018-04-20T15:40:17.441" v="1664" actId="1076"/>
-          <ac:spMkLst>
-            <pc:docMk/>
-            <pc:sldMk cId="1783449026" sldId="261"/>
-            <ac:spMk id="3" creationId="{E5B82DFB-BFC2-427E-9001-2AC24F424F18}"/>
-          </ac:spMkLst>
-        </pc:spChg>
-        <pc:picChg chg="add mod modCrop">
-          <ac:chgData name="Stanley Blakemore" userId="738def75040d6fd8" providerId="LiveId" clId="{BE320AB9-D4A5-48A0-8848-43769FBE5228}" dt="2018-04-20T15:42:54.894" v="1669" actId="14100"/>
-          <ac:picMkLst>
-            <pc:docMk/>
-            <pc:sldMk cId="1783449026" sldId="261"/>
-            <ac:picMk id="5" creationId="{031B550F-9077-43AC-AA9C-21D54EB53A23}"/>
-          </ac:picMkLst>
-        </pc:picChg>
-      </pc:sldChg>
-      <pc:sldChg chg="modSp">
-        <pc:chgData name="Stanley Blakemore" userId="738def75040d6fd8" providerId="LiveId" clId="{BE320AB9-D4A5-48A0-8848-43769FBE5228}" dt="2018-04-20T15:35:31.472" v="1361" actId="20577"/>
-        <pc:sldMkLst>
-          <pc:docMk/>
-          <pc:sldMk cId="3256691765" sldId="262"/>
-        </pc:sldMkLst>
-        <pc:spChg chg="mod">
-          <ac:chgData name="Stanley Blakemore" userId="738def75040d6fd8" providerId="LiveId" clId="{BE320AB9-D4A5-48A0-8848-43769FBE5228}" dt="2018-04-20T15:35:31.472" v="1361" actId="20577"/>
-          <ac:spMkLst>
-            <pc:docMk/>
-            <pc:sldMk cId="3256691765" sldId="262"/>
-            <ac:spMk id="3" creationId="{77C8C9A1-CA8D-47A4-8233-B72D179C1855}"/>
-          </ac:spMkLst>
-        </pc:spChg>
-      </pc:sldChg>
-      <pc:sldChg chg="modSp">
-        <pc:chgData name="Stanley Blakemore" userId="738def75040d6fd8" providerId="LiveId" clId="{BE320AB9-D4A5-48A0-8848-43769FBE5228}" dt="2018-04-20T15:35:43.270" v="1399" actId="20577"/>
-        <pc:sldMkLst>
-          <pc:docMk/>
-          <pc:sldMk cId="1587028171" sldId="263"/>
-        </pc:sldMkLst>
-        <pc:spChg chg="mod">
-          <ac:chgData name="Stanley Blakemore" userId="738def75040d6fd8" providerId="LiveId" clId="{BE320AB9-D4A5-48A0-8848-43769FBE5228}" dt="2018-04-20T15:35:43.270" v="1399" actId="20577"/>
-          <ac:spMkLst>
-            <pc:docMk/>
-            <pc:sldMk cId="1587028171" sldId="263"/>
-            <ac:spMk id="3" creationId="{18EA3F60-958F-4D00-9301-038A69871799}"/>
-          </ac:spMkLst>
-        </pc:spChg>
-      </pc:sldChg>
-      <pc:sldChg chg="addSp delSp modSp add">
-        <pc:chgData name="Stanley Blakemore" userId="738def75040d6fd8" providerId="LiveId" clId="{BE320AB9-D4A5-48A0-8848-43769FBE5228}" dt="2018-04-20T15:43:43.763" v="1678" actId="1076"/>
-        <pc:sldMkLst>
-          <pc:docMk/>
-          <pc:sldMk cId="3556829497" sldId="269"/>
-        </pc:sldMkLst>
-        <pc:spChg chg="del">
-          <ac:chgData name="Stanley Blakemore" userId="738def75040d6fd8" providerId="LiveId" clId="{BE320AB9-D4A5-48A0-8848-43769FBE5228}" dt="2018-04-20T15:43:12.965" v="1671" actId="1076"/>
-          <ac:spMkLst>
-            <pc:docMk/>
-            <pc:sldMk cId="3556829497" sldId="269"/>
-            <ac:spMk id="2" creationId="{863FE6FA-AF4C-4B2D-AB29-B460F1241E0D}"/>
-          </ac:spMkLst>
-        </pc:spChg>
-        <pc:spChg chg="del">
-          <ac:chgData name="Stanley Blakemore" userId="738def75040d6fd8" providerId="LiveId" clId="{BE320AB9-D4A5-48A0-8848-43769FBE5228}" dt="2018-04-20T15:43:18.304" v="1672" actId="478"/>
-          <ac:spMkLst>
-            <pc:docMk/>
-            <pc:sldMk cId="3556829497" sldId="269"/>
-            <ac:spMk id="3" creationId="{3B6B1D95-160F-4D6B-9727-17236E1FC460}"/>
-          </ac:spMkLst>
-        </pc:spChg>
-        <pc:spChg chg="add">
-          <ac:chgData name="Stanley Blakemore" userId="738def75040d6fd8" providerId="LiveId" clId="{BE320AB9-D4A5-48A0-8848-43769FBE5228}" dt="2018-04-20T15:43:12.965" v="1671" actId="1076"/>
-          <ac:spMkLst>
-            <pc:docMk/>
-            <pc:sldMk cId="3556829497" sldId="269"/>
-            <ac:spMk id="4" creationId="{615CA175-3C02-4CE2-93E1-28951E70A334}"/>
-          </ac:spMkLst>
-        </pc:spChg>
-        <pc:picChg chg="add mod">
-          <ac:chgData name="Stanley Blakemore" userId="738def75040d6fd8" providerId="LiveId" clId="{BE320AB9-D4A5-48A0-8848-43769FBE5228}" dt="2018-04-20T15:43:43.763" v="1678" actId="1076"/>
-          <ac:picMkLst>
-            <pc:docMk/>
-            <pc:sldMk cId="3556829497" sldId="269"/>
-            <ac:picMk id="1026" creationId="{EDF444D1-4BCF-4023-8ED8-26CF49D3570B}"/>
-          </ac:picMkLst>
-        </pc:picChg>
-      </pc:sldChg>
-    </pc:docChg>
-  </pc:docChgLst>
-</pc:chgInfo>
 </file>
 
 <file path=ppt/slideLayouts/slideLayout1.xml><?xml version="1.0" encoding="utf-8"?>
@@ -3596,7 +3429,7 @@
           <p:cNvPr id="2" name="Title 1">
             <a:extLst>
               <a:ext uri="{FF2B5EF4-FFF2-40B4-BE49-F238E27FC236}">
-                <a16:creationId xmlns:a16="http://schemas.microsoft.com/office/drawing/2014/main" id="{163939D2-CA68-40B6-B81F-67C219F0ECC1}"/>
+                <a16:creationId xmlns:a16="http://schemas.microsoft.com/office/drawing/2014/main" id="{9EF2F78F-CDCE-401E-84A1-43ECA367C315}"/>
               </a:ext>
             </a:extLst>
           </p:cNvPr>
@@ -3614,7 +3447,7 @@
           <a:p>
             <a:r>
               <a:rPr lang="en-GB" dirty="0"/>
-              <a:t>Extra features added (Danny)</a:t>
+              <a:t>Bugs – Coding (Gary)</a:t>
             </a:r>
           </a:p>
         </p:txBody>
@@ -3624,7 +3457,7 @@
           <p:cNvPr id="3" name="Content Placeholder 2">
             <a:extLst>
               <a:ext uri="{FF2B5EF4-FFF2-40B4-BE49-F238E27FC236}">
-                <a16:creationId xmlns:a16="http://schemas.microsoft.com/office/drawing/2014/main" id="{43B8F70B-5B34-47B9-9546-D1BEFF009F85}"/>
+                <a16:creationId xmlns:a16="http://schemas.microsoft.com/office/drawing/2014/main" id="{E58059F5-1D95-4522-AFB7-AF86DF852EC3}"/>
               </a:ext>
             </a:extLst>
           </p:cNvPr>
@@ -3640,14 +3473,14 @@
           <a:bodyPr/>
           <a:lstStyle/>
           <a:p>
-            <a:endParaRPr lang="en-GB" dirty="0"/>
+            <a:endParaRPr lang="en-GB"/>
           </a:p>
         </p:txBody>
       </p:sp>
     </p:spTree>
     <p:extLst>
       <p:ext uri="{BB962C8B-B14F-4D97-AF65-F5344CB8AC3E}">
-        <p14:creationId xmlns:p14="http://schemas.microsoft.com/office/powerpoint/2010/main" val="577427629"/>
+        <p14:creationId xmlns:p14="http://schemas.microsoft.com/office/powerpoint/2010/main" val="2796128197"/>
       </p:ext>
     </p:extLst>
   </p:cSld>
@@ -3679,7 +3512,7 @@
           <p:cNvPr id="2" name="Title 1">
             <a:extLst>
               <a:ext uri="{FF2B5EF4-FFF2-40B4-BE49-F238E27FC236}">
-                <a16:creationId xmlns:a16="http://schemas.microsoft.com/office/drawing/2014/main" id="{9EF2F78F-CDCE-401E-84A1-43ECA367C315}"/>
+                <a16:creationId xmlns:a16="http://schemas.microsoft.com/office/drawing/2014/main" id="{0FFFB410-1D3A-4764-BFA0-26618F1D9C6E}"/>
               </a:ext>
             </a:extLst>
           </p:cNvPr>
@@ -3697,7 +3530,7 @@
           <a:p>
             <a:r>
               <a:rPr lang="en-GB" dirty="0"/>
-              <a:t>Bugs – Coding (Gary)</a:t>
+              <a:t>Bugs – Graphics (Gary)</a:t>
             </a:r>
           </a:p>
         </p:txBody>
@@ -3707,7 +3540,7 @@
           <p:cNvPr id="3" name="Content Placeholder 2">
             <a:extLst>
               <a:ext uri="{FF2B5EF4-FFF2-40B4-BE49-F238E27FC236}">
-                <a16:creationId xmlns:a16="http://schemas.microsoft.com/office/drawing/2014/main" id="{E58059F5-1D95-4522-AFB7-AF86DF852EC3}"/>
+                <a16:creationId xmlns:a16="http://schemas.microsoft.com/office/drawing/2014/main" id="{1037F41F-990D-4640-978C-5D8268DA58D6}"/>
               </a:ext>
             </a:extLst>
           </p:cNvPr>
@@ -3723,14 +3556,38 @@
           <a:bodyPr/>
           <a:lstStyle/>
           <a:p>
-            <a:endParaRPr lang="en-GB"/>
+            <a:r>
+              <a:rPr lang="en-GB" dirty="0"/>
+              <a:t>Original picnic table – fixed by recreating in Maya or 3ds MAX</a:t>
+            </a:r>
+          </a:p>
+          <a:p>
+            <a:r>
+              <a:rPr lang="en-GB" dirty="0"/>
+              <a:t>Sprite animations not playing properly</a:t>
+            </a:r>
+          </a:p>
+          <a:p>
+            <a:r>
+              <a:rPr lang="en-GB" dirty="0"/>
+              <a:t>If the level isn’t even the ants can fall off</a:t>
+            </a:r>
+          </a:p>
+          <a:p>
+            <a:r>
+              <a:rPr lang="en-GB" dirty="0"/>
+              <a:t>Character gets sent flying if it stands on a destructible bit of terrain</a:t>
+            </a:r>
+          </a:p>
+          <a:p>
+            <a:endParaRPr lang="en-GB" dirty="0"/>
           </a:p>
         </p:txBody>
       </p:sp>
     </p:spTree>
     <p:extLst>
       <p:ext uri="{BB962C8B-B14F-4D97-AF65-F5344CB8AC3E}">
-        <p14:creationId xmlns:p14="http://schemas.microsoft.com/office/powerpoint/2010/main" val="2796128197"/>
+        <p14:creationId xmlns:p14="http://schemas.microsoft.com/office/powerpoint/2010/main" val="1155397542"/>
       </p:ext>
     </p:extLst>
   </p:cSld>
@@ -3762,113 +3619,6 @@
           <p:cNvPr id="2" name="Title 1">
             <a:extLst>
               <a:ext uri="{FF2B5EF4-FFF2-40B4-BE49-F238E27FC236}">
-                <a16:creationId xmlns:a16="http://schemas.microsoft.com/office/drawing/2014/main" id="{0FFFB410-1D3A-4764-BFA0-26618F1D9C6E}"/>
-              </a:ext>
-            </a:extLst>
-          </p:cNvPr>
-          <p:cNvSpPr>
-            <a:spLocks noGrp="1"/>
-          </p:cNvSpPr>
-          <p:nvPr>
-            <p:ph type="title"/>
-          </p:nvPr>
-        </p:nvSpPr>
-        <p:spPr/>
-        <p:txBody>
-          <a:bodyPr/>
-          <a:lstStyle/>
-          <a:p>
-            <a:r>
-              <a:rPr lang="en-GB" dirty="0"/>
-              <a:t>Bugs – Graphics (Gary)</a:t>
-            </a:r>
-          </a:p>
-        </p:txBody>
-      </p:sp>
-      <p:sp>
-        <p:nvSpPr>
-          <p:cNvPr id="3" name="Content Placeholder 2">
-            <a:extLst>
-              <a:ext uri="{FF2B5EF4-FFF2-40B4-BE49-F238E27FC236}">
-                <a16:creationId xmlns:a16="http://schemas.microsoft.com/office/drawing/2014/main" id="{1037F41F-990D-4640-978C-5D8268DA58D6}"/>
-              </a:ext>
-            </a:extLst>
-          </p:cNvPr>
-          <p:cNvSpPr>
-            <a:spLocks noGrp="1"/>
-          </p:cNvSpPr>
-          <p:nvPr>
-            <p:ph idx="1"/>
-          </p:nvPr>
-        </p:nvSpPr>
-        <p:spPr/>
-        <p:txBody>
-          <a:bodyPr/>
-          <a:lstStyle/>
-          <a:p>
-            <a:r>
-              <a:rPr lang="en-GB" dirty="0"/>
-              <a:t>Original picnic table – fixed by recreating in Maya or 3ds MAX</a:t>
-            </a:r>
-          </a:p>
-          <a:p>
-            <a:r>
-              <a:rPr lang="en-GB" dirty="0"/>
-              <a:t>Sprite animations not playing properly</a:t>
-            </a:r>
-          </a:p>
-          <a:p>
-            <a:r>
-              <a:rPr lang="en-GB" dirty="0"/>
-              <a:t>If the level isn’t even the ants can fall off</a:t>
-            </a:r>
-          </a:p>
-          <a:p>
-            <a:r>
-              <a:rPr lang="en-GB" dirty="0"/>
-              <a:t>Character gets sent flying if it stands on a destructible bit of terrain</a:t>
-            </a:r>
-          </a:p>
-          <a:p>
-            <a:endParaRPr lang="en-GB" dirty="0"/>
-          </a:p>
-        </p:txBody>
-      </p:sp>
-    </p:spTree>
-    <p:extLst>
-      <p:ext uri="{BB962C8B-B14F-4D97-AF65-F5344CB8AC3E}">
-        <p14:creationId xmlns:p14="http://schemas.microsoft.com/office/powerpoint/2010/main" val="1155397542"/>
-      </p:ext>
-    </p:extLst>
-  </p:cSld>
-  <p:clrMapOvr>
-    <a:masterClrMapping/>
-  </p:clrMapOvr>
-</p:sld>
-</file>
-
-<file path=ppt/slides/slide13.xml><?xml version="1.0" encoding="utf-8"?>
-<p:sld xmlns:a="http://schemas.openxmlformats.org/drawingml/2006/main" xmlns:r="http://schemas.openxmlformats.org/officeDocument/2006/relationships" xmlns:p="http://schemas.openxmlformats.org/presentationml/2006/main">
-  <p:cSld>
-    <p:spTree>
-      <p:nvGrpSpPr>
-        <p:cNvPr id="1" name=""/>
-        <p:cNvGrpSpPr/>
-        <p:nvPr/>
-      </p:nvGrpSpPr>
-      <p:grpSpPr>
-        <a:xfrm>
-          <a:off x="0" y="0"/>
-          <a:ext cx="0" cy="0"/>
-          <a:chOff x="0" y="0"/>
-          <a:chExt cx="0" cy="0"/>
-        </a:xfrm>
-      </p:grpSpPr>
-      <p:sp>
-        <p:nvSpPr>
-          <p:cNvPr id="2" name="Title 1">
-            <a:extLst>
-              <a:ext uri="{FF2B5EF4-FFF2-40B4-BE49-F238E27FC236}">
                 <a16:creationId xmlns:a16="http://schemas.microsoft.com/office/drawing/2014/main" id="{B5EF1B65-6F40-4AA7-AB94-5C7C0426B153}"/>
               </a:ext>
             </a:extLst>
@@ -3910,7 +3660,9 @@
         </p:nvSpPr>
         <p:spPr/>
         <p:txBody>
-          <a:bodyPr/>
+          <a:bodyPr>
+            <a:normAutofit fontScale="85000" lnSpcReduction="10000"/>
+          </a:bodyPr>
           <a:lstStyle/>
           <a:p>
             <a:r>
@@ -3919,27 +3671,51 @@
             </a:r>
           </a:p>
           <a:p>
+            <a:endParaRPr lang="en-GB" dirty="0"/>
+          </a:p>
+          <a:p>
             <a:r>
               <a:rPr lang="en-GB" dirty="0"/>
               <a:t>Team dynamics</a:t>
             </a:r>
           </a:p>
           <a:p>
+            <a:endParaRPr lang="en-GB" dirty="0"/>
+          </a:p>
+          <a:p>
             <a:r>
               <a:rPr lang="en-GB" dirty="0"/>
               <a:t>What went well</a:t>
             </a:r>
           </a:p>
           <a:p>
+            <a:endParaRPr lang="en-GB" dirty="0"/>
+          </a:p>
+          <a:p>
             <a:r>
               <a:rPr lang="en-GB" dirty="0"/>
-              <a:t>What could’ve been better</a:t>
-            </a:r>
+              <a:t>What could’ve </a:t>
+            </a:r>
+            <a:r>
+              <a:rPr lang="en-GB"/>
+              <a:t>been better – SSADRFTSUYGHAIOKJL:DP@</a:t>
+            </a:r>
+            <a:br>
+              <a:rPr lang="en-GB"/>
+            </a:br>
+            <a:r>
+              <a:rPr lang="en-GB"/>
+              <a:t>SAD</a:t>
+            </a:r>
+            <a:endParaRPr lang="en-GB" dirty="0"/>
+          </a:p>
+          <a:p>
+            <a:endParaRPr lang="en-GB" dirty="0"/>
           </a:p>
           <a:p>
             <a:r>
               <a:rPr lang="en-GB" dirty="0"/>
-              <a:t>How we felt about the game – Pretty good, works for </a:t>
+              <a:t>How we fell about the game – works for </a:t>
             </a:r>
             <a:r>
               <a:rPr lang="en-GB" dirty="0" err="1"/>
@@ -3947,13 +3723,8 @@
             </a:r>
             <a:r>
               <a:rPr lang="en-GB" dirty="0"/>
-              <a:t> if given more time and people could be better – if done again work from </a:t>
-            </a:r>
-            <a:r>
-              <a:rPr lang="en-GB"/>
-              <a:t>an earlier date</a:t>
-            </a:r>
-            <a:endParaRPr lang="en-GB" dirty="0"/>
+              <a:t>, given more time + resources = better game. If second time better learnt due to working earlier</a:t>
+            </a:r>
           </a:p>
         </p:txBody>
       </p:sp>
@@ -4038,11 +3809,8 @@
           <a:p>
             <a:r>
               <a:rPr lang="en-GB" dirty="0"/>
-              <a:t>Ants: Colony wars is a 2D puzzle tactical artillery shooter. The game consists of two stages, a preparation stage (stage 1) and a combat stage (stage 2) inspired by the games ‘Lemmings’ and ‘Worms’ retrospectively. </a:t>
-            </a:r>
-          </a:p>
-          <a:p>
-            <a:endParaRPr lang="en-GB" dirty="0"/>
+              <a:t>CAKE </a:t>
+            </a:r>
           </a:p>
         </p:txBody>
       </p:sp>
@@ -4122,21 +3890,10 @@
         </p:nvSpPr>
         <p:spPr/>
         <p:txBody>
-          <a:bodyPr>
-            <a:normAutofit lnSpcReduction="10000"/>
-          </a:bodyPr>
-          <a:lstStyle/>
-          <a:p>
-            <a:r>
-              <a:rPr lang="en-GB" dirty="0"/>
-              <a:t>The first level is the preparation stage where the player has to guide numerous grubs throughout the stage whilst avoiding hazards (such as sudden drops or harmful water) using a main ant character. Once the grubs have either made it to the end of the level or perished along the way, the player is then transported to the second level (the combat stage)</a:t>
-            </a:r>
-          </a:p>
-          <a:p>
-            <a:r>
-              <a:rPr lang="en-GB" dirty="0"/>
-              <a:t>In the combat stage two players then have to fight each other using a collection of different ant characters each with their own look and unique abilities. Each player gets more health depending on how many grubs the player kept alive in the first stage. Using each character in a turn based style, the player has to eliminate their opponents dotted around the level.</a:t>
-            </a:r>
+          <a:bodyPr/>
+          <a:lstStyle/>
+          <a:p>
+            <a:endParaRPr lang="en-GB"/>
           </a:p>
         </p:txBody>
       </p:sp>
@@ -4219,22 +3976,7 @@
           <a:bodyPr/>
           <a:lstStyle/>
           <a:p>
-            <a:r>
-              <a:rPr lang="en-GB" dirty="0"/>
-              <a:t>Describe from video of first level</a:t>
-            </a:r>
-          </a:p>
-          <a:p>
-            <a:endParaRPr lang="en-GB" dirty="0"/>
-          </a:p>
-          <a:p>
-            <a:endParaRPr lang="en-GB" dirty="0"/>
-          </a:p>
-          <a:p>
-            <a:endParaRPr lang="en-GB" dirty="0"/>
-          </a:p>
-          <a:p>
-            <a:endParaRPr lang="en-GB" dirty="0"/>
+            <a:endParaRPr lang="en-GB"/>
           </a:p>
         </p:txBody>
       </p:sp>
@@ -4317,10 +4059,7 @@
           <a:bodyPr/>
           <a:lstStyle/>
           <a:p>
-            <a:r>
-              <a:rPr lang="en-GB" dirty="0"/>
-              <a:t>Describe from video of second level.</a:t>
-            </a:r>
+            <a:endParaRPr lang="en-GB"/>
           </a:p>
         </p:txBody>
       </p:sp>
@@ -4359,7 +4098,7 @@
           <p:cNvPr id="2" name="Title 1">
             <a:extLst>
               <a:ext uri="{FF2B5EF4-FFF2-40B4-BE49-F238E27FC236}">
-                <a16:creationId xmlns:a16="http://schemas.microsoft.com/office/drawing/2014/main" id="{4C50079F-AA64-48C8-A55A-C45B9DC8148D}"/>
+                <a16:creationId xmlns:a16="http://schemas.microsoft.com/office/drawing/2014/main" id="{8B13372B-9672-44C2-A4CD-DD5FEB7E782B}"/>
               </a:ext>
             </a:extLst>
           </p:cNvPr>
@@ -4377,7 +4116,7 @@
           <a:p>
             <a:r>
               <a:rPr lang="en-GB" dirty="0"/>
-              <a:t>Sprites and characters (Harry)</a:t>
+              <a:t>Concept art from paper to engine (Harry)</a:t>
             </a:r>
           </a:p>
         </p:txBody>
@@ -4387,7 +4126,7 @@
           <p:cNvPr id="3" name="Content Placeholder 2">
             <a:extLst>
               <a:ext uri="{FF2B5EF4-FFF2-40B4-BE49-F238E27FC236}">
-                <a16:creationId xmlns:a16="http://schemas.microsoft.com/office/drawing/2014/main" id="{26A593D1-99E4-4B61-8923-F18AC699C935}"/>
+                <a16:creationId xmlns:a16="http://schemas.microsoft.com/office/drawing/2014/main" id="{CBAE2947-E6E3-4B23-B014-0C88417549F4}"/>
               </a:ext>
             </a:extLst>
           </p:cNvPr>
@@ -4403,17 +4142,14 @@
           <a:bodyPr/>
           <a:lstStyle/>
           <a:p>
-            <a:r>
-              <a:rPr lang="en-GB" dirty="0"/>
-              <a:t>Describe the characters, their looks and abilities.</a:t>
-            </a:r>
+            <a:endParaRPr lang="en-GB"/>
           </a:p>
         </p:txBody>
       </p:sp>
     </p:spTree>
     <p:extLst>
       <p:ext uri="{BB962C8B-B14F-4D97-AF65-F5344CB8AC3E}">
-        <p14:creationId xmlns:p14="http://schemas.microsoft.com/office/powerpoint/2010/main" val="1593981234"/>
+        <p14:creationId xmlns:p14="http://schemas.microsoft.com/office/powerpoint/2010/main" val="2242719335"/>
       </p:ext>
     </p:extLst>
   </p:cSld>
@@ -4445,7 +4181,7 @@
           <p:cNvPr id="2" name="Title 1">
             <a:extLst>
               <a:ext uri="{FF2B5EF4-FFF2-40B4-BE49-F238E27FC236}">
-                <a16:creationId xmlns:a16="http://schemas.microsoft.com/office/drawing/2014/main" id="{8B13372B-9672-44C2-A4CD-DD5FEB7E782B}"/>
+                <a16:creationId xmlns:a16="http://schemas.microsoft.com/office/drawing/2014/main" id="{4C50079F-AA64-48C8-A55A-C45B9DC8148D}"/>
               </a:ext>
             </a:extLst>
           </p:cNvPr>
@@ -4463,7 +4199,7 @@
           <a:p>
             <a:r>
               <a:rPr lang="en-GB" dirty="0"/>
-              <a:t>Concept art from paper to engine (Harry)</a:t>
+              <a:t>Sprites and characters (Harry)</a:t>
             </a:r>
           </a:p>
         </p:txBody>
@@ -4473,7 +4209,7 @@
           <p:cNvPr id="3" name="Content Placeholder 2">
             <a:extLst>
               <a:ext uri="{FF2B5EF4-FFF2-40B4-BE49-F238E27FC236}">
-                <a16:creationId xmlns:a16="http://schemas.microsoft.com/office/drawing/2014/main" id="{CBAE2947-E6E3-4B23-B014-0C88417549F4}"/>
+                <a16:creationId xmlns:a16="http://schemas.microsoft.com/office/drawing/2014/main" id="{26A593D1-99E4-4B61-8923-F18AC699C935}"/>
               </a:ext>
             </a:extLst>
           </p:cNvPr>
@@ -4489,29 +4225,14 @@
           <a:bodyPr/>
           <a:lstStyle/>
           <a:p>
-            <a:r>
-              <a:rPr lang="en-GB" dirty="0"/>
-              <a:t>Screenshots of concept art for sprites</a:t>
-            </a:r>
-          </a:p>
-          <a:p>
-            <a:r>
-              <a:rPr lang="en-GB" dirty="0"/>
-              <a:t>Screenshots/gifs of sprites in engine</a:t>
-            </a:r>
-          </a:p>
-          <a:p>
-            <a:r>
-              <a:rPr lang="en-GB" dirty="0"/>
-              <a:t>Side by side comparison.</a:t>
-            </a:r>
+            <a:endParaRPr lang="en-GB"/>
           </a:p>
         </p:txBody>
       </p:sp>
     </p:spTree>
     <p:extLst>
       <p:ext uri="{BB962C8B-B14F-4D97-AF65-F5344CB8AC3E}">
-        <p14:creationId xmlns:p14="http://schemas.microsoft.com/office/powerpoint/2010/main" val="2242719335"/>
+        <p14:creationId xmlns:p14="http://schemas.microsoft.com/office/powerpoint/2010/main" val="1593981234"/>
       </p:ext>
     </p:extLst>
   </p:cSld>
@@ -4566,40 +4287,31 @@
           </a:p>
         </p:txBody>
       </p:sp>
-      <p:pic>
-        <p:nvPicPr>
-          <p:cNvPr id="5" name="Content Placeholder 4">
-            <a:extLst>
-              <a:ext uri="{FF2B5EF4-FFF2-40B4-BE49-F238E27FC236}">
-                <a16:creationId xmlns:a16="http://schemas.microsoft.com/office/drawing/2014/main" id="{031B550F-9077-43AC-AA9C-21D54EB53A23}"/>
-              </a:ext>
-            </a:extLst>
-          </p:cNvPr>
-          <p:cNvPicPr>
-            <a:picLocks noGrp="1" noChangeAspect="1"/>
-          </p:cNvPicPr>
+      <p:sp>
+        <p:nvSpPr>
+          <p:cNvPr id="3" name="Content Placeholder 2">
+            <a:extLst>
+              <a:ext uri="{FF2B5EF4-FFF2-40B4-BE49-F238E27FC236}">
+                <a16:creationId xmlns:a16="http://schemas.microsoft.com/office/drawing/2014/main" id="{E5B82DFB-BFC2-427E-9001-2AC24F424F18}"/>
+              </a:ext>
+            </a:extLst>
+          </p:cNvPr>
+          <p:cNvSpPr>
+            <a:spLocks noGrp="1"/>
+          </p:cNvSpPr>
           <p:nvPr>
             <p:ph idx="1"/>
           </p:nvPr>
-        </p:nvPicPr>
-        <p:blipFill rotWithShape="1">
-          <a:blip r:embed="rId2">
-            <a:extLst>
-              <a:ext uri="{28A0092B-C50C-407E-A947-70E740481C1C}">
-                <a14:useLocalDpi xmlns:a14="http://schemas.microsoft.com/office/drawing/2010/main" val="0"/>
-              </a:ext>
-            </a:extLst>
-          </a:blip>
-          <a:srcRect r="6582"/>
-          <a:stretch/>
-        </p:blipFill>
-        <p:spPr>
-          <a:xfrm rot="16200000">
-            <a:off x="1528285" y="696774"/>
-            <a:ext cx="3371674" cy="4971206"/>
-          </a:xfrm>
-        </p:spPr>
-      </p:pic>
+        </p:nvSpPr>
+        <p:spPr/>
+        <p:txBody>
+          <a:bodyPr/>
+          <a:lstStyle/>
+          <a:p>
+            <a:endParaRPr lang="en-GB"/>
+          </a:p>
+        </p:txBody>
+      </p:sp>
     </p:spTree>
     <p:extLst>
       <p:ext uri="{BB962C8B-B14F-4D97-AF65-F5344CB8AC3E}">
@@ -4632,10 +4344,10 @@
       </p:grpSpPr>
       <p:sp>
         <p:nvSpPr>
-          <p:cNvPr id="4" name="Title 1">
-            <a:extLst>
-              <a:ext uri="{FF2B5EF4-FFF2-40B4-BE49-F238E27FC236}">
-                <a16:creationId xmlns:a16="http://schemas.microsoft.com/office/drawing/2014/main" id="{615CA175-3C02-4CE2-93E1-28951E70A334}"/>
+          <p:cNvPr id="2" name="Title 1">
+            <a:extLst>
+              <a:ext uri="{FF2B5EF4-FFF2-40B4-BE49-F238E27FC236}">
+                <a16:creationId xmlns:a16="http://schemas.microsoft.com/office/drawing/2014/main" id="{163939D2-CA68-40B6-B81F-67C219F0ECC1}"/>
               </a:ext>
             </a:extLst>
           </p:cNvPr>
@@ -4653,75 +4365,40 @@
           <a:p>
             <a:r>
               <a:rPr lang="en-GB" dirty="0"/>
-              <a:t>Level design from concept to engine (Stanley)</a:t>
-            </a:r>
-          </a:p>
-        </p:txBody>
-      </p:sp>
-      <p:pic>
-        <p:nvPicPr>
-          <p:cNvPr id="1026" name="Picture 2" descr="e38a3f9f16b20d58fdd7bea52af4d8b1">
-            <a:extLst>
-              <a:ext uri="{FF2B5EF4-FFF2-40B4-BE49-F238E27FC236}">
-                <a16:creationId xmlns:a16="http://schemas.microsoft.com/office/drawing/2014/main" id="{EDF444D1-4BCF-4023-8ED8-26CF49D3570B}"/>
-              </a:ext>
-            </a:extLst>
-          </p:cNvPr>
-          <p:cNvPicPr>
-            <a:picLocks noChangeAspect="1" noChangeArrowheads="1"/>
-          </p:cNvPicPr>
-          <p:nvPr/>
-        </p:nvPicPr>
-        <p:blipFill>
-          <a:blip r:embed="rId2">
-            <a:extLst>
-              <a:ext uri="{28A0092B-C50C-407E-A947-70E740481C1C}">
-                <a14:useLocalDpi xmlns:a14="http://schemas.microsoft.com/office/drawing/2010/main" val="0"/>
-              </a:ext>
-            </a:extLst>
-          </a:blip>
-          <a:srcRect/>
-          <a:stretch>
-            <a:fillRect/>
-          </a:stretch>
-        </p:blipFill>
-        <p:spPr bwMode="auto">
-          <a:xfrm>
-            <a:off x="315805" y="1462906"/>
-            <a:ext cx="5143300" cy="3409952"/>
-          </a:xfrm>
-          <a:prstGeom prst="rect">
-            <a:avLst/>
-          </a:prstGeom>
-          <a:noFill/>
-          <a:ln>
-            <a:noFill/>
-          </a:ln>
-          <a:extLst>
-            <a:ext uri="{909E8E84-426E-40DD-AFC4-6F175D3DCCD1}">
-              <a14:hiddenFill xmlns:a14="http://schemas.microsoft.com/office/drawing/2010/main">
-                <a:solidFill>
-                  <a:srgbClr val="FFFFFF"/>
-                </a:solidFill>
-              </a14:hiddenFill>
-            </a:ext>
-            <a:ext uri="{91240B29-F687-4F45-9708-019B960494DF}">
-              <a14:hiddenLine xmlns:a14="http://schemas.microsoft.com/office/drawing/2010/main" w="9525" algn="in">
-                <a:solidFill>
-                  <a:srgbClr val="000000"/>
-                </a:solidFill>
-                <a:miter lim="800000"/>
-                <a:headEnd/>
-                <a:tailEnd/>
-              </a14:hiddenLine>
-            </a:ext>
-          </a:extLst>
-        </p:spPr>
-      </p:pic>
+              <a:t>Extra features added (Danny)</a:t>
+            </a:r>
+          </a:p>
+        </p:txBody>
+      </p:sp>
+      <p:sp>
+        <p:nvSpPr>
+          <p:cNvPr id="3" name="Content Placeholder 2">
+            <a:extLst>
+              <a:ext uri="{FF2B5EF4-FFF2-40B4-BE49-F238E27FC236}">
+                <a16:creationId xmlns:a16="http://schemas.microsoft.com/office/drawing/2014/main" id="{43B8F70B-5B34-47B9-9546-D1BEFF009F85}"/>
+              </a:ext>
+            </a:extLst>
+          </p:cNvPr>
+          <p:cNvSpPr>
+            <a:spLocks noGrp="1"/>
+          </p:cNvSpPr>
+          <p:nvPr>
+            <p:ph idx="1"/>
+          </p:nvPr>
+        </p:nvSpPr>
+        <p:spPr/>
+        <p:txBody>
+          <a:bodyPr/>
+          <a:lstStyle/>
+          <a:p>
+            <a:endParaRPr lang="en-GB" dirty="0"/>
+          </a:p>
+        </p:txBody>
+      </p:sp>
     </p:spTree>
     <p:extLst>
       <p:ext uri="{BB962C8B-B14F-4D97-AF65-F5344CB8AC3E}">
-        <p14:creationId xmlns:p14="http://schemas.microsoft.com/office/powerpoint/2010/main" val="3556829497"/>
+        <p14:creationId xmlns:p14="http://schemas.microsoft.com/office/powerpoint/2010/main" val="577427629"/>
       </p:ext>
     </p:extLst>
   </p:cSld>

--- a/Video Presentation V2.pptx
+++ b/Video Presentation V2.pptx
@@ -3661,7 +3661,7 @@
         <p:spPr/>
         <p:txBody>
           <a:bodyPr>
-            <a:normAutofit fontScale="85000" lnSpcReduction="10000"/>
+            <a:normAutofit fontScale="92500" lnSpcReduction="20000"/>
           </a:bodyPr>
           <a:lstStyle/>
           <a:p>
@@ -3698,14 +3698,7 @@
             </a:r>
             <a:r>
               <a:rPr lang="en-GB"/>
-              <a:t>been better – SSADRFTSUYGHAIOKJL:DP@</a:t>
-            </a:r>
-            <a:br>
-              <a:rPr lang="en-GB"/>
-            </a:br>
-            <a:r>
-              <a:rPr lang="en-GB"/>
-              <a:t>SAD</a:t>
+              <a:t>been better </a:t>
             </a:r>
             <a:endParaRPr lang="en-GB" dirty="0"/>
           </a:p>

--- a/Video Presentation V2.pptx
+++ b/Video Presentation V2.pptx
@@ -17,6 +17,11 @@
     <p:sldId id="266" r:id="rId11"/>
     <p:sldId id="267" r:id="rId12"/>
     <p:sldId id="268" r:id="rId13"/>
+    <p:sldId id="269" r:id="rId14"/>
+    <p:sldId id="270" r:id="rId15"/>
+    <p:sldId id="271" r:id="rId16"/>
+    <p:sldId id="272" r:id="rId17"/>
+    <p:sldId id="273" r:id="rId18"/>
   </p:sldIdLst>
   <p:sldSz cx="12192000" cy="6858000"/>
   <p:notesSz cx="6858000" cy="9144000"/>
@@ -3644,10 +3649,10 @@
       </p:sp>
       <p:sp>
         <p:nvSpPr>
-          <p:cNvPr id="3" name="Content Placeholder 2">
-            <a:extLst>
-              <a:ext uri="{FF2B5EF4-FFF2-40B4-BE49-F238E27FC236}">
-                <a16:creationId xmlns:a16="http://schemas.microsoft.com/office/drawing/2014/main" id="{015734A6-6474-4FBB-A0B7-14AB30A8FA53}"/>
+          <p:cNvPr id="5" name="Content Placeholder 4">
+            <a:extLst>
+              <a:ext uri="{FF2B5EF4-FFF2-40B4-BE49-F238E27FC236}">
+                <a16:creationId xmlns:a16="http://schemas.microsoft.com/office/drawing/2014/main" id="{02C2EBC2-71E7-431E-B83F-CFF0016591DF}"/>
               </a:ext>
             </a:extLst>
           </p:cNvPr>
@@ -3660,64 +3665,10 @@
         </p:nvSpPr>
         <p:spPr/>
         <p:txBody>
-          <a:bodyPr>
-            <a:normAutofit fontScale="92500" lnSpcReduction="20000"/>
-          </a:bodyPr>
-          <a:lstStyle/>
-          <a:p>
-            <a:r>
-              <a:rPr lang="en-GB" dirty="0"/>
-              <a:t>What we learnt</a:t>
-            </a:r>
-          </a:p>
+          <a:bodyPr/>
+          <a:lstStyle/>
           <a:p>
             <a:endParaRPr lang="en-GB" dirty="0"/>
-          </a:p>
-          <a:p>
-            <a:r>
-              <a:rPr lang="en-GB" dirty="0"/>
-              <a:t>Team dynamics</a:t>
-            </a:r>
-          </a:p>
-          <a:p>
-            <a:endParaRPr lang="en-GB" dirty="0"/>
-          </a:p>
-          <a:p>
-            <a:r>
-              <a:rPr lang="en-GB" dirty="0"/>
-              <a:t>What went well</a:t>
-            </a:r>
-          </a:p>
-          <a:p>
-            <a:endParaRPr lang="en-GB" dirty="0"/>
-          </a:p>
-          <a:p>
-            <a:r>
-              <a:rPr lang="en-GB" dirty="0"/>
-              <a:t>What could’ve </a:t>
-            </a:r>
-            <a:r>
-              <a:rPr lang="en-GB"/>
-              <a:t>been better </a:t>
-            </a:r>
-            <a:endParaRPr lang="en-GB" dirty="0"/>
-          </a:p>
-          <a:p>
-            <a:endParaRPr lang="en-GB" dirty="0"/>
-          </a:p>
-          <a:p>
-            <a:r>
-              <a:rPr lang="en-GB" dirty="0"/>
-              <a:t>How we fell about the game – works for </a:t>
-            </a:r>
-            <a:r>
-              <a:rPr lang="en-GB" dirty="0" err="1"/>
-              <a:t>tdemo</a:t>
-            </a:r>
-            <a:r>
-              <a:rPr lang="en-GB" dirty="0"/>
-              <a:t>, given more time + resources = better game. If second time better learnt due to working earlier</a:t>
-            </a:r>
           </a:p>
         </p:txBody>
       </p:sp>
@@ -3725,6 +3676,493 @@
     <p:extLst>
       <p:ext uri="{BB962C8B-B14F-4D97-AF65-F5344CB8AC3E}">
         <p14:creationId xmlns:p14="http://schemas.microsoft.com/office/powerpoint/2010/main" val="1709177854"/>
+      </p:ext>
+    </p:extLst>
+  </p:cSld>
+  <p:clrMapOvr>
+    <a:masterClrMapping/>
+  </p:clrMapOvr>
+</p:sld>
+</file>
+
+<file path=ppt/slides/slide13.xml><?xml version="1.0" encoding="utf-8"?>
+<p:sld xmlns:a="http://schemas.openxmlformats.org/drawingml/2006/main" xmlns:r="http://schemas.openxmlformats.org/officeDocument/2006/relationships" xmlns:p="http://schemas.openxmlformats.org/presentationml/2006/main">
+  <p:cSld>
+    <p:spTree>
+      <p:nvGrpSpPr>
+        <p:cNvPr id="1" name=""/>
+        <p:cNvGrpSpPr/>
+        <p:nvPr/>
+      </p:nvGrpSpPr>
+      <p:grpSpPr>
+        <a:xfrm>
+          <a:off x="0" y="0"/>
+          <a:ext cx="0" cy="0"/>
+          <a:chOff x="0" y="0"/>
+          <a:chExt cx="0" cy="0"/>
+        </a:xfrm>
+      </p:grpSpPr>
+      <p:sp>
+        <p:nvSpPr>
+          <p:cNvPr id="2" name="Title 1">
+            <a:extLst>
+              <a:ext uri="{FF2B5EF4-FFF2-40B4-BE49-F238E27FC236}">
+                <a16:creationId xmlns:a16="http://schemas.microsoft.com/office/drawing/2014/main" id="{B8FDBBEE-0677-49B0-80CC-DE07A94593B3}"/>
+              </a:ext>
+            </a:extLst>
+          </p:cNvPr>
+          <p:cNvSpPr>
+            <a:spLocks noGrp="1"/>
+          </p:cNvSpPr>
+          <p:nvPr>
+            <p:ph type="title"/>
+          </p:nvPr>
+        </p:nvSpPr>
+        <p:spPr/>
+        <p:txBody>
+          <a:bodyPr/>
+          <a:lstStyle/>
+          <a:p>
+            <a:r>
+              <a:rPr lang="en-GB" dirty="0"/>
+              <a:t>What we learnt</a:t>
+            </a:r>
+          </a:p>
+        </p:txBody>
+      </p:sp>
+      <p:sp>
+        <p:nvSpPr>
+          <p:cNvPr id="4" name="AutoShape 4" descr="Image result for clock handle">
+            <a:extLst>
+              <a:ext uri="{FF2B5EF4-FFF2-40B4-BE49-F238E27FC236}">
+                <a16:creationId xmlns:a16="http://schemas.microsoft.com/office/drawing/2014/main" id="{E582BF6C-CD4B-4218-BF3E-E4E26184B903}"/>
+              </a:ext>
+            </a:extLst>
+          </p:cNvPr>
+          <p:cNvSpPr>
+            <a:spLocks noChangeAspect="1" noChangeArrowheads="1"/>
+          </p:cNvSpPr>
+          <p:nvPr/>
+        </p:nvSpPr>
+        <p:spPr bwMode="auto">
+          <a:xfrm>
+            <a:off x="5943600" y="3276600"/>
+            <a:ext cx="304800" cy="304800"/>
+          </a:xfrm>
+          <a:prstGeom prst="rect">
+            <a:avLst/>
+          </a:prstGeom>
+          <a:noFill/>
+          <a:extLst>
+            <a:ext uri="{909E8E84-426E-40DD-AFC4-6F175D3DCCD1}">
+              <a14:hiddenFill xmlns:a14="http://schemas.microsoft.com/office/drawing/2010/main">
+                <a:solidFill>
+                  <a:srgbClr val="FFFFFF"/>
+                </a:solidFill>
+              </a14:hiddenFill>
+            </a:ext>
+          </a:extLst>
+        </p:spPr>
+        <p:txBody>
+          <a:bodyPr vert="horz" wrap="square" lIns="91440" tIns="45720" rIns="91440" bIns="45720" numCol="1" anchor="t" anchorCtr="0" compatLnSpc="1">
+            <a:prstTxWarp prst="textNoShape">
+              <a:avLst/>
+            </a:prstTxWarp>
+          </a:bodyPr>
+          <a:lstStyle/>
+          <a:p>
+            <a:endParaRPr lang="en-GB"/>
+          </a:p>
+        </p:txBody>
+      </p:sp>
+      <p:sp>
+        <p:nvSpPr>
+          <p:cNvPr id="10" name="TextBox 9">
+            <a:extLst>
+              <a:ext uri="{FF2B5EF4-FFF2-40B4-BE49-F238E27FC236}">
+                <a16:creationId xmlns:a16="http://schemas.microsoft.com/office/drawing/2014/main" id="{9039195D-D027-409D-9215-61D4B78D1247}"/>
+              </a:ext>
+            </a:extLst>
+          </p:cNvPr>
+          <p:cNvSpPr txBox="1"/>
+          <p:nvPr/>
+        </p:nvSpPr>
+        <p:spPr>
+          <a:xfrm>
+            <a:off x="838200" y="2083267"/>
+            <a:ext cx="10536572" cy="1477328"/>
+          </a:xfrm>
+          <a:prstGeom prst="rect">
+            <a:avLst/>
+          </a:prstGeom>
+          <a:noFill/>
+        </p:spPr>
+        <p:txBody>
+          <a:bodyPr wrap="square" rtlCol="0">
+            <a:spAutoFit/>
+          </a:bodyPr>
+          <a:lstStyle/>
+          <a:p>
+            <a:r>
+              <a:rPr lang="en-GB" dirty="0"/>
+              <a:t>Time management – graphic of a clock going around clockwise</a:t>
+            </a:r>
+          </a:p>
+          <a:p>
+            <a:endParaRPr lang="en-GB" dirty="0"/>
+          </a:p>
+          <a:p>
+            <a:endParaRPr lang="en-GB" dirty="0"/>
+          </a:p>
+          <a:p>
+            <a:endParaRPr lang="en-GB" dirty="0"/>
+          </a:p>
+          <a:p>
+            <a:endParaRPr lang="en-GB" dirty="0"/>
+          </a:p>
+        </p:txBody>
+      </p:sp>
+    </p:spTree>
+    <p:extLst>
+      <p:ext uri="{BB962C8B-B14F-4D97-AF65-F5344CB8AC3E}">
+        <p14:creationId xmlns:p14="http://schemas.microsoft.com/office/powerpoint/2010/main" val="2956389422"/>
+      </p:ext>
+    </p:extLst>
+  </p:cSld>
+  <p:clrMapOvr>
+    <a:masterClrMapping/>
+  </p:clrMapOvr>
+</p:sld>
+</file>
+
+<file path=ppt/slides/slide14.xml><?xml version="1.0" encoding="utf-8"?>
+<p:sld xmlns:a="http://schemas.openxmlformats.org/drawingml/2006/main" xmlns:r="http://schemas.openxmlformats.org/officeDocument/2006/relationships" xmlns:p="http://schemas.openxmlformats.org/presentationml/2006/main">
+  <p:cSld>
+    <p:spTree>
+      <p:nvGrpSpPr>
+        <p:cNvPr id="1" name=""/>
+        <p:cNvGrpSpPr/>
+        <p:nvPr/>
+      </p:nvGrpSpPr>
+      <p:grpSpPr>
+        <a:xfrm>
+          <a:off x="0" y="0"/>
+          <a:ext cx="0" cy="0"/>
+          <a:chOff x="0" y="0"/>
+          <a:chExt cx="0" cy="0"/>
+        </a:xfrm>
+      </p:grpSpPr>
+      <p:sp>
+        <p:nvSpPr>
+          <p:cNvPr id="2" name="Title 1">
+            <a:extLst>
+              <a:ext uri="{FF2B5EF4-FFF2-40B4-BE49-F238E27FC236}">
+                <a16:creationId xmlns:a16="http://schemas.microsoft.com/office/drawing/2014/main" id="{0600F74B-00EB-47F9-8675-54F6DBB83BF6}"/>
+              </a:ext>
+            </a:extLst>
+          </p:cNvPr>
+          <p:cNvSpPr>
+            <a:spLocks noGrp="1"/>
+          </p:cNvSpPr>
+          <p:nvPr>
+            <p:ph type="title"/>
+          </p:nvPr>
+        </p:nvSpPr>
+        <p:spPr/>
+        <p:txBody>
+          <a:bodyPr/>
+          <a:lstStyle/>
+          <a:p>
+            <a:r>
+              <a:rPr lang="en-GB" dirty="0"/>
+              <a:t>Team </a:t>
+            </a:r>
+            <a:r>
+              <a:rPr lang="en-GB" dirty="0" err="1"/>
+              <a:t>dyanmics</a:t>
+            </a:r>
+            <a:endParaRPr lang="en-GB" dirty="0"/>
+          </a:p>
+        </p:txBody>
+      </p:sp>
+      <p:sp>
+        <p:nvSpPr>
+          <p:cNvPr id="3" name="Content Placeholder 2">
+            <a:extLst>
+              <a:ext uri="{FF2B5EF4-FFF2-40B4-BE49-F238E27FC236}">
+                <a16:creationId xmlns:a16="http://schemas.microsoft.com/office/drawing/2014/main" id="{6833F175-47D4-408F-AA33-C199431C5E72}"/>
+              </a:ext>
+            </a:extLst>
+          </p:cNvPr>
+          <p:cNvSpPr>
+            <a:spLocks noGrp="1"/>
+          </p:cNvSpPr>
+          <p:nvPr>
+            <p:ph idx="1"/>
+          </p:nvPr>
+        </p:nvSpPr>
+        <p:spPr/>
+        <p:txBody>
+          <a:bodyPr/>
+          <a:lstStyle/>
+          <a:p>
+            <a:endParaRPr lang="en-GB"/>
+          </a:p>
+        </p:txBody>
+      </p:sp>
+    </p:spTree>
+    <p:extLst>
+      <p:ext uri="{BB962C8B-B14F-4D97-AF65-F5344CB8AC3E}">
+        <p14:creationId xmlns:p14="http://schemas.microsoft.com/office/powerpoint/2010/main" val="178313222"/>
+      </p:ext>
+    </p:extLst>
+  </p:cSld>
+  <p:clrMapOvr>
+    <a:masterClrMapping/>
+  </p:clrMapOvr>
+</p:sld>
+</file>
+
+<file path=ppt/slides/slide15.xml><?xml version="1.0" encoding="utf-8"?>
+<p:sld xmlns:a="http://schemas.openxmlformats.org/drawingml/2006/main" xmlns:r="http://schemas.openxmlformats.org/officeDocument/2006/relationships" xmlns:p="http://schemas.openxmlformats.org/presentationml/2006/main">
+  <p:cSld>
+    <p:spTree>
+      <p:nvGrpSpPr>
+        <p:cNvPr id="1" name=""/>
+        <p:cNvGrpSpPr/>
+        <p:nvPr/>
+      </p:nvGrpSpPr>
+      <p:grpSpPr>
+        <a:xfrm>
+          <a:off x="0" y="0"/>
+          <a:ext cx="0" cy="0"/>
+          <a:chOff x="0" y="0"/>
+          <a:chExt cx="0" cy="0"/>
+        </a:xfrm>
+      </p:grpSpPr>
+      <p:sp>
+        <p:nvSpPr>
+          <p:cNvPr id="2" name="Title 1">
+            <a:extLst>
+              <a:ext uri="{FF2B5EF4-FFF2-40B4-BE49-F238E27FC236}">
+                <a16:creationId xmlns:a16="http://schemas.microsoft.com/office/drawing/2014/main" id="{1E6E1E1A-ED69-458E-8CA9-CE642093C764}"/>
+              </a:ext>
+            </a:extLst>
+          </p:cNvPr>
+          <p:cNvSpPr>
+            <a:spLocks noGrp="1"/>
+          </p:cNvSpPr>
+          <p:nvPr>
+            <p:ph type="title"/>
+          </p:nvPr>
+        </p:nvSpPr>
+        <p:spPr/>
+        <p:txBody>
+          <a:bodyPr/>
+          <a:lstStyle/>
+          <a:p>
+            <a:r>
+              <a:rPr lang="en-GB" dirty="0"/>
+              <a:t>What went well </a:t>
+            </a:r>
+          </a:p>
+        </p:txBody>
+      </p:sp>
+      <p:sp>
+        <p:nvSpPr>
+          <p:cNvPr id="3" name="Content Placeholder 2">
+            <a:extLst>
+              <a:ext uri="{FF2B5EF4-FFF2-40B4-BE49-F238E27FC236}">
+                <a16:creationId xmlns:a16="http://schemas.microsoft.com/office/drawing/2014/main" id="{0151FEB4-D227-4AFC-8289-0F973A258ABF}"/>
+              </a:ext>
+            </a:extLst>
+          </p:cNvPr>
+          <p:cNvSpPr>
+            <a:spLocks noGrp="1"/>
+          </p:cNvSpPr>
+          <p:nvPr>
+            <p:ph idx="1"/>
+          </p:nvPr>
+        </p:nvSpPr>
+        <p:spPr/>
+        <p:txBody>
+          <a:bodyPr/>
+          <a:lstStyle/>
+          <a:p>
+            <a:endParaRPr lang="en-GB"/>
+          </a:p>
+        </p:txBody>
+      </p:sp>
+    </p:spTree>
+    <p:extLst>
+      <p:ext uri="{BB962C8B-B14F-4D97-AF65-F5344CB8AC3E}">
+        <p14:creationId xmlns:p14="http://schemas.microsoft.com/office/powerpoint/2010/main" val="2683828991"/>
+      </p:ext>
+    </p:extLst>
+  </p:cSld>
+  <p:clrMapOvr>
+    <a:masterClrMapping/>
+  </p:clrMapOvr>
+</p:sld>
+</file>
+
+<file path=ppt/slides/slide16.xml><?xml version="1.0" encoding="utf-8"?>
+<p:sld xmlns:a="http://schemas.openxmlformats.org/drawingml/2006/main" xmlns:r="http://schemas.openxmlformats.org/officeDocument/2006/relationships" xmlns:p="http://schemas.openxmlformats.org/presentationml/2006/main">
+  <p:cSld>
+    <p:spTree>
+      <p:nvGrpSpPr>
+        <p:cNvPr id="1" name=""/>
+        <p:cNvGrpSpPr/>
+        <p:nvPr/>
+      </p:nvGrpSpPr>
+      <p:grpSpPr>
+        <a:xfrm>
+          <a:off x="0" y="0"/>
+          <a:ext cx="0" cy="0"/>
+          <a:chOff x="0" y="0"/>
+          <a:chExt cx="0" cy="0"/>
+        </a:xfrm>
+      </p:grpSpPr>
+      <p:sp>
+        <p:nvSpPr>
+          <p:cNvPr id="2" name="Title 1">
+            <a:extLst>
+              <a:ext uri="{FF2B5EF4-FFF2-40B4-BE49-F238E27FC236}">
+                <a16:creationId xmlns:a16="http://schemas.microsoft.com/office/drawing/2014/main" id="{FE0064C2-168A-4628-A789-D98B0E2A238D}"/>
+              </a:ext>
+            </a:extLst>
+          </p:cNvPr>
+          <p:cNvSpPr>
+            <a:spLocks noGrp="1"/>
+          </p:cNvSpPr>
+          <p:nvPr>
+            <p:ph type="title"/>
+          </p:nvPr>
+        </p:nvSpPr>
+        <p:spPr/>
+        <p:txBody>
+          <a:bodyPr/>
+          <a:lstStyle/>
+          <a:p>
+            <a:r>
+              <a:rPr lang="en-GB" dirty="0"/>
+              <a:t>What could’ve been better </a:t>
+            </a:r>
+          </a:p>
+        </p:txBody>
+      </p:sp>
+      <p:sp>
+        <p:nvSpPr>
+          <p:cNvPr id="3" name="Content Placeholder 2">
+            <a:extLst>
+              <a:ext uri="{FF2B5EF4-FFF2-40B4-BE49-F238E27FC236}">
+                <a16:creationId xmlns:a16="http://schemas.microsoft.com/office/drawing/2014/main" id="{10CAF73D-94B9-43E5-8EEE-73FBDF9ED6CB}"/>
+              </a:ext>
+            </a:extLst>
+          </p:cNvPr>
+          <p:cNvSpPr>
+            <a:spLocks noGrp="1"/>
+          </p:cNvSpPr>
+          <p:nvPr>
+            <p:ph idx="1"/>
+          </p:nvPr>
+        </p:nvSpPr>
+        <p:spPr/>
+        <p:txBody>
+          <a:bodyPr/>
+          <a:lstStyle/>
+          <a:p>
+            <a:endParaRPr lang="en-GB"/>
+          </a:p>
+        </p:txBody>
+      </p:sp>
+    </p:spTree>
+    <p:extLst>
+      <p:ext uri="{BB962C8B-B14F-4D97-AF65-F5344CB8AC3E}">
+        <p14:creationId xmlns:p14="http://schemas.microsoft.com/office/powerpoint/2010/main" val="3389332216"/>
+      </p:ext>
+    </p:extLst>
+  </p:cSld>
+  <p:clrMapOvr>
+    <a:masterClrMapping/>
+  </p:clrMapOvr>
+</p:sld>
+</file>
+
+<file path=ppt/slides/slide17.xml><?xml version="1.0" encoding="utf-8"?>
+<p:sld xmlns:a="http://schemas.openxmlformats.org/drawingml/2006/main" xmlns:r="http://schemas.openxmlformats.org/officeDocument/2006/relationships" xmlns:p="http://schemas.openxmlformats.org/presentationml/2006/main">
+  <p:cSld>
+    <p:spTree>
+      <p:nvGrpSpPr>
+        <p:cNvPr id="1" name=""/>
+        <p:cNvGrpSpPr/>
+        <p:nvPr/>
+      </p:nvGrpSpPr>
+      <p:grpSpPr>
+        <a:xfrm>
+          <a:off x="0" y="0"/>
+          <a:ext cx="0" cy="0"/>
+          <a:chOff x="0" y="0"/>
+          <a:chExt cx="0" cy="0"/>
+        </a:xfrm>
+      </p:grpSpPr>
+      <p:sp>
+        <p:nvSpPr>
+          <p:cNvPr id="2" name="Title 1">
+            <a:extLst>
+              <a:ext uri="{FF2B5EF4-FFF2-40B4-BE49-F238E27FC236}">
+                <a16:creationId xmlns:a16="http://schemas.microsoft.com/office/drawing/2014/main" id="{9A2B80BB-0102-4BA4-AD62-873376724C39}"/>
+              </a:ext>
+            </a:extLst>
+          </p:cNvPr>
+          <p:cNvSpPr>
+            <a:spLocks noGrp="1"/>
+          </p:cNvSpPr>
+          <p:nvPr>
+            <p:ph type="title"/>
+          </p:nvPr>
+        </p:nvSpPr>
+        <p:spPr/>
+        <p:txBody>
+          <a:bodyPr/>
+          <a:lstStyle/>
+          <a:p>
+            <a:r>
+              <a:rPr lang="en-GB" dirty="0"/>
+              <a:t>How we feel</a:t>
+            </a:r>
+          </a:p>
+        </p:txBody>
+      </p:sp>
+      <p:sp>
+        <p:nvSpPr>
+          <p:cNvPr id="3" name="Content Placeholder 2">
+            <a:extLst>
+              <a:ext uri="{FF2B5EF4-FFF2-40B4-BE49-F238E27FC236}">
+                <a16:creationId xmlns:a16="http://schemas.microsoft.com/office/drawing/2014/main" id="{F6E80C0A-882D-47D8-A5E9-E5E292404AA5}"/>
+              </a:ext>
+            </a:extLst>
+          </p:cNvPr>
+          <p:cNvSpPr>
+            <a:spLocks noGrp="1"/>
+          </p:cNvSpPr>
+          <p:nvPr>
+            <p:ph idx="1"/>
+          </p:nvPr>
+        </p:nvSpPr>
+        <p:spPr/>
+        <p:txBody>
+          <a:bodyPr/>
+          <a:lstStyle/>
+          <a:p>
+            <a:endParaRPr lang="en-GB"/>
+          </a:p>
+        </p:txBody>
+      </p:sp>
+    </p:spTree>
+    <p:extLst>
+      <p:ext uri="{BB962C8B-B14F-4D97-AF65-F5344CB8AC3E}">
+        <p14:creationId xmlns:p14="http://schemas.microsoft.com/office/powerpoint/2010/main" val="2652108889"/>
       </p:ext>
     </p:extLst>
   </p:cSld>
@@ -4301,7 +4739,7 @@
           <a:bodyPr/>
           <a:lstStyle/>
           <a:p>
-            <a:endParaRPr lang="en-GB"/>
+            <a:endParaRPr lang="en-GB" dirty="0"/>
           </a:p>
         </p:txBody>
       </p:sp>
